--- a/BitBucket.pptx
+++ b/BitBucket.pptx
@@ -791,7 +791,7 @@
             <a:fld id="{100A3043-998B-4D12-B890-019C5CA11EEC}" type="datetimeFigureOut">
               <a:rPr lang="en-IN" smtClean="0"/>
               <a:pPr/>
-              <a:t>27-12-2018</a:t>
+              <a:t>28-12-2018</a:t>
             </a:fld>
             <a:endParaRPr lang="en-IN"/>
           </a:p>
@@ -976,7 +976,7 @@
             <a:fld id="{100A3043-998B-4D12-B890-019C5CA11EEC}" type="datetimeFigureOut">
               <a:rPr lang="en-IN" smtClean="0"/>
               <a:pPr/>
-              <a:t>27-12-2018</a:t>
+              <a:t>28-12-2018</a:t>
             </a:fld>
             <a:endParaRPr lang="en-IN"/>
           </a:p>
@@ -1153,7 +1153,7 @@
             <a:fld id="{100A3043-998B-4D12-B890-019C5CA11EEC}" type="datetimeFigureOut">
               <a:rPr lang="en-IN" smtClean="0"/>
               <a:pPr/>
-              <a:t>27-12-2018</a:t>
+              <a:t>28-12-2018</a:t>
             </a:fld>
             <a:endParaRPr lang="en-IN"/>
           </a:p>
@@ -1320,7 +1320,7 @@
             <a:fld id="{100A3043-998B-4D12-B890-019C5CA11EEC}" type="datetimeFigureOut">
               <a:rPr lang="en-IN" smtClean="0"/>
               <a:pPr/>
-              <a:t>27-12-2018</a:t>
+              <a:t>28-12-2018</a:t>
             </a:fld>
             <a:endParaRPr lang="en-IN"/>
           </a:p>
@@ -1543,7 +1543,7 @@
             <a:fld id="{100A3043-998B-4D12-B890-019C5CA11EEC}" type="datetimeFigureOut">
               <a:rPr lang="en-IN" smtClean="0"/>
               <a:pPr/>
-              <a:t>27-12-2018</a:t>
+              <a:t>28-12-2018</a:t>
             </a:fld>
             <a:endParaRPr lang="en-IN"/>
           </a:p>
@@ -1804,7 +1804,7 @@
             <a:fld id="{100A3043-998B-4D12-B890-019C5CA11EEC}" type="datetimeFigureOut">
               <a:rPr lang="en-IN" smtClean="0"/>
               <a:pPr/>
-              <a:t>27-12-2018</a:t>
+              <a:t>28-12-2018</a:t>
             </a:fld>
             <a:endParaRPr lang="en-IN"/>
           </a:p>
@@ -2210,7 +2210,7 @@
             <a:fld id="{100A3043-998B-4D12-B890-019C5CA11EEC}" type="datetimeFigureOut">
               <a:rPr lang="en-IN" smtClean="0"/>
               <a:pPr/>
-              <a:t>27-12-2018</a:t>
+              <a:t>28-12-2018</a:t>
             </a:fld>
             <a:endParaRPr lang="en-IN"/>
           </a:p>
@@ -2343,7 +2343,7 @@
             <a:fld id="{100A3043-998B-4D12-B890-019C5CA11EEC}" type="datetimeFigureOut">
               <a:rPr lang="en-IN" smtClean="0"/>
               <a:pPr/>
-              <a:t>27-12-2018</a:t>
+              <a:t>28-12-2018</a:t>
             </a:fld>
             <a:endParaRPr lang="en-IN"/>
           </a:p>
@@ -2445,7 +2445,7 @@
             <a:fld id="{100A3043-998B-4D12-B890-019C5CA11EEC}" type="datetimeFigureOut">
               <a:rPr lang="en-IN" smtClean="0"/>
               <a:pPr/>
-              <a:t>27-12-2018</a:t>
+              <a:t>28-12-2018</a:t>
             </a:fld>
             <a:endParaRPr lang="en-IN"/>
           </a:p>
@@ -2692,7 +2692,7 @@
             <a:fld id="{100A3043-998B-4D12-B890-019C5CA11EEC}" type="datetimeFigureOut">
               <a:rPr lang="en-IN" smtClean="0"/>
               <a:pPr/>
-              <a:t>27-12-2018</a:t>
+              <a:t>28-12-2018</a:t>
             </a:fld>
             <a:endParaRPr lang="en-IN"/>
           </a:p>
@@ -2938,7 +2938,7 @@
             <a:fld id="{100A3043-998B-4D12-B890-019C5CA11EEC}" type="datetimeFigureOut">
               <a:rPr lang="en-IN" smtClean="0"/>
               <a:pPr/>
-              <a:t>27-12-2018</a:t>
+              <a:t>28-12-2018</a:t>
             </a:fld>
             <a:endParaRPr lang="en-IN"/>
           </a:p>
@@ -3764,7 +3764,7 @@
             <a:fld id="{100A3043-998B-4D12-B890-019C5CA11EEC}" type="datetimeFigureOut">
               <a:rPr lang="en-IN" smtClean="0"/>
               <a:pPr/>
-              <a:t>27-12-2018</a:t>
+              <a:t>28-12-2018</a:t>
             </a:fld>
             <a:endParaRPr lang="en-IN"/>
           </a:p>
@@ -4552,13 +4552,8 @@
             </a:r>
             <a:r>
               <a:rPr lang="en-US" sz="2400" dirty="0" smtClean="0"/>
-              <a:t> with robust </a:t>
-            </a:r>
-            <a:r>
-              <a:rPr lang="en-US" sz="2400" dirty="0" smtClean="0"/>
-              <a:t>tools</a:t>
-            </a:r>
-            <a:endParaRPr lang="en-US" sz="2400" dirty="0" smtClean="0"/>
+              <a:t> with robust tools</a:t>
+            </a:r>
           </a:p>
         </p:txBody>
       </p:sp>
@@ -5975,13 +5970,8 @@
             <a:pPr lvl="1"/>
             <a:r>
               <a:rPr lang="en-US" dirty="0" smtClean="0"/>
-              <a:t>Stored in directory for </a:t>
-            </a:r>
-            <a:r>
-              <a:rPr lang="en-US" dirty="0" smtClean="0"/>
-              <a:t>ignoring</a:t>
-            </a:r>
-            <a:endParaRPr lang="en-US" dirty="0" smtClean="0"/>
+              <a:t>Stored in directory for ignoring</a:t>
+            </a:r>
           </a:p>
         </p:txBody>
       </p:sp>
@@ -6434,13 +6424,8 @@
             </a:r>
             <a:r>
               <a:rPr lang="en-US" dirty="0" smtClean="0"/>
-              <a:t> to see all changes that have </a:t>
-            </a:r>
-            <a:r>
-              <a:rPr lang="en-US" dirty="0" smtClean="0"/>
-              <a:t>occurred</a:t>
-            </a:r>
-            <a:endParaRPr lang="en-US" dirty="0" smtClean="0"/>
+              <a:t> to see all changes that have occurred</a:t>
+            </a:r>
           </a:p>
         </p:txBody>
       </p:sp>
@@ -6551,15 +6536,7 @@
                   <a:schemeClr val="tx1"/>
                 </a:solidFill>
               </a:rPr>
-              <a:t>Version </a:t>
-            </a:r>
-            <a:r>
-              <a:rPr lang="en-IN" b="1" dirty="0" smtClean="0">
-                <a:solidFill>
-                  <a:schemeClr val="tx1"/>
-                </a:solidFill>
-              </a:rPr>
-              <a:t>Control Systems</a:t>
+              <a:t>Version Control Systems</a:t>
             </a:r>
             <a:r>
               <a:rPr lang="en-IN" sz="4800" b="1" dirty="0" smtClean="0">
@@ -6585,6 +6562,13 @@
   <p:clrMapOvr>
     <a:masterClrMapping/>
   </p:clrMapOvr>
+  <p:timing>
+    <p:tnLst>
+      <p:par>
+        <p:cTn id="1" dur="indefinite" restart="never" nodeType="tmRoot"/>
+      </p:par>
+    </p:tnLst>
+  </p:timing>
 </p:sld>
 </file>
 
@@ -6745,11 +6729,7 @@
             </a:pPr>
             <a:r>
               <a:rPr lang="en-US" sz="2400" dirty="0" smtClean="0"/>
-              <a:t>To </a:t>
-            </a:r>
-            <a:r>
-              <a:rPr lang="en-US" sz="2400" dirty="0" smtClean="0"/>
-              <a:t>apply patches from an </a:t>
+              <a:t>To apply patches from an </a:t>
             </a:r>
             <a:r>
               <a:rPr lang="en-US" sz="2400" dirty="0" err="1" smtClean="0"/>
@@ -7102,13 +7082,8 @@
             </a:r>
             <a:r>
               <a:rPr lang="en-US" i="1" dirty="0" smtClean="0"/>
-              <a:t> tag &lt;tag-name</a:t>
-            </a:r>
-            <a:r>
-              <a:rPr lang="en-US" i="1" dirty="0" smtClean="0"/>
-              <a:t>&gt;</a:t>
-            </a:r>
-            <a:endParaRPr lang="en-US" i="1" dirty="0" smtClean="0"/>
+              <a:t> tag &lt;tag-name&gt;</a:t>
+            </a:r>
           </a:p>
         </p:txBody>
       </p:sp>
@@ -7510,13 +7485,8 @@
             </a:r>
             <a:r>
               <a:rPr lang="en-US" dirty="0" smtClean="0"/>
-              <a:t> </a:t>
-            </a:r>
-            <a:r>
-              <a:rPr lang="en-US" dirty="0" smtClean="0"/>
-              <a:t>cherry-pick</a:t>
-            </a:r>
-            <a:endParaRPr lang="en-US" dirty="0" smtClean="0"/>
+              <a:t> cherry-pick</a:t>
+            </a:r>
           </a:p>
         </p:txBody>
       </p:sp>
@@ -7862,11 +7832,7 @@
             </a:pPr>
             <a:r>
               <a:rPr lang="en-IN" dirty="0" smtClean="0"/>
-              <a:t>☞ </a:t>
-            </a:r>
-            <a:r>
-              <a:rPr lang="en-IN" dirty="0" smtClean="0"/>
-              <a:t>For working by yourself.</a:t>
+              <a:t>☞ For working by yourself.</a:t>
             </a:r>
           </a:p>
           <a:p>
@@ -7931,6 +7897,13 @@
   <p:clrMapOvr>
     <a:masterClrMapping/>
   </p:clrMapOvr>
+  <p:timing>
+    <p:tnLst>
+      <p:par>
+        <p:cTn id="1" dur="indefinite" restart="never" nodeType="tmRoot"/>
+      </p:par>
+    </p:tnLst>
+  </p:timing>
 </p:sld>
 </file>
 
@@ -8006,15 +7979,7 @@
             </a:pPr>
             <a:r>
               <a:rPr lang="en-IN" dirty="0" smtClean="0"/>
-              <a:t>☞ </a:t>
-            </a:r>
-            <a:r>
-              <a:rPr lang="en-IN" dirty="0" smtClean="0"/>
-              <a:t>Version </a:t>
-            </a:r>
-            <a:r>
-              <a:rPr lang="en-IN" dirty="0" smtClean="0"/>
-              <a:t>control is a system that records changes to a file or set of files over time so that you can recall specific versions later. </a:t>
+              <a:t>☞ Version control is a system that records changes to a file or set of files over time so that you can recall specific versions later. </a:t>
             </a:r>
           </a:p>
           <a:p>
@@ -8029,11 +7994,7 @@
             </a:pPr>
             <a:r>
               <a:rPr lang="en-IN" dirty="0" smtClean="0"/>
-              <a:t>☞ It </a:t>
-            </a:r>
-            <a:r>
-              <a:rPr lang="en-IN" dirty="0" smtClean="0"/>
-              <a:t>allows you to revert files back to a previous state, revert the entire project back to a previous state, compare changes over time, see who last modified something that might be causing a problem, who introduced an issue and when, and more. Using a VCS also generally means that if you screw things up or lose files, you can easily recover.</a:t>
+              <a:t>☞ It allows you to revert files back to a previous state, revert the entire project back to a previous state, compare changes over time, see who last modified something that might be causing a problem, who introduced an issue and when, and more. Using a VCS also generally means that if you screw things up or lose files, you can easily recover.</a:t>
             </a:r>
           </a:p>
           <a:p>
@@ -8049,6 +8010,13 @@
   <p:clrMapOvr>
     <a:masterClrMapping/>
   </p:clrMapOvr>
+  <p:timing>
+    <p:tnLst>
+      <p:par>
+        <p:cTn id="1" dur="indefinite" restart="never" nodeType="tmRoot"/>
+      </p:par>
+    </p:tnLst>
+  </p:timing>
 </p:sld>
 </file>
 
@@ -8127,7 +8095,6 @@
               <a:rPr lang="en-IN" dirty="0" smtClean="0"/>
               <a:t>: SVN and Perforce</a:t>
             </a:r>
-            <a:endParaRPr lang="en-IN" dirty="0" smtClean="0"/>
           </a:p>
           <a:p>
             <a:pPr>
@@ -8475,7 +8442,11 @@
             </a:pPr>
             <a:r>
               <a:rPr lang="en-IN" dirty="0" smtClean="0"/>
-              <a:t>Installation of Git</a:t>
+              <a:t>Installation of </a:t>
+            </a:r>
+            <a:r>
+              <a:rPr lang="en-IN" dirty="0" smtClean="0"/>
+              <a:t>Git</a:t>
             </a:r>
           </a:p>
           <a:p>
@@ -8484,9 +8455,49 @@
             </a:pPr>
             <a:r>
               <a:rPr lang="en-IN" dirty="0" smtClean="0"/>
-              <a:t>Git Commands</a:t>
-            </a:r>
-            <a:endParaRPr lang="en-IN" dirty="0"/>
+              <a:t>Git advantages</a:t>
+            </a:r>
+          </a:p>
+          <a:p>
+            <a:pPr>
+              <a:buNone/>
+            </a:pPr>
+            <a:r>
+              <a:rPr lang="en-IN" smtClean="0"/>
+              <a:t>Git </a:t>
+            </a:r>
+            <a:r>
+              <a:rPr lang="en-IN" dirty="0" smtClean="0"/>
+              <a:t>Architecture</a:t>
+            </a:r>
+            <a:endParaRPr lang="en-IN" dirty="0" smtClean="0"/>
+          </a:p>
+          <a:p>
+            <a:pPr>
+              <a:buNone/>
+            </a:pPr>
+            <a:r>
+              <a:rPr lang="en-IN" dirty="0" smtClean="0"/>
+              <a:t>Git </a:t>
+            </a:r>
+            <a:r>
+              <a:rPr lang="en-IN" dirty="0" smtClean="0"/>
+              <a:t>Commands</a:t>
+            </a:r>
+          </a:p>
+          <a:p>
+            <a:pPr>
+              <a:buNone/>
+            </a:pPr>
+            <a:r>
+              <a:rPr lang="en-IN" dirty="0" smtClean="0"/>
+              <a:t>Git </a:t>
+            </a:r>
+            <a:r>
+              <a:rPr lang="en-IN" dirty="0" err="1" smtClean="0"/>
+              <a:t>realtime</a:t>
+            </a:r>
+            <a:endParaRPr lang="en-IN" dirty="0" smtClean="0"/>
           </a:p>
         </p:txBody>
       </p:sp>

--- a/BitBucket.pptx
+++ b/BitBucket.pptx
@@ -5834,22 +5834,10 @@
               <a:t> commit -a -m </a:t>
             </a:r>
             <a:r>
-              <a:rPr lang="ja-JP" altLang="en-US" i="1" smtClean="0">
+              <a:rPr lang="en-IN" i="1" dirty="0" smtClean="0">
                 <a:latin typeface="Courier" charset="0"/>
               </a:rPr>
-              <a:t>‘</a:t>
-            </a:r>
-            <a:r>
-              <a:rPr lang="en-US" altLang="ja-JP" i="1" dirty="0" smtClean="0">
-                <a:latin typeface="Courier" charset="0"/>
-              </a:rPr>
-              <a:t>Check in number one</a:t>
-            </a:r>
-            <a:r>
-              <a:rPr lang="ja-JP" altLang="en-US" i="1" smtClean="0">
-                <a:latin typeface="Courier" charset="0"/>
-              </a:rPr>
-              <a:t>’</a:t>
+              <a:t>“check in number one”</a:t>
             </a:r>
             <a:endParaRPr lang="en-US" i="1" dirty="0" smtClean="0">
               <a:latin typeface="Courier" charset="0"/>
@@ -6265,22 +6253,10 @@
               <a:t> commit -m </a:t>
             </a:r>
             <a:r>
-              <a:rPr lang="ja-JP" altLang="en-US" sz="2400" i="1" smtClean="0">
+              <a:rPr lang="en-IN" sz="2400" i="1" dirty="0" smtClean="0">
                 <a:latin typeface="Courier" charset="0"/>
               </a:rPr>
-              <a:t>‘</a:t>
-            </a:r>
-            <a:r>
-              <a:rPr lang="en-US" altLang="ja-JP" sz="2400" i="1" dirty="0" smtClean="0">
-                <a:latin typeface="Courier" charset="0"/>
-              </a:rPr>
-              <a:t>Second commit</a:t>
-            </a:r>
-            <a:r>
-              <a:rPr lang="ja-JP" altLang="en-US" sz="2400" i="1" smtClean="0">
-                <a:latin typeface="Courier" charset="0"/>
-              </a:rPr>
-              <a:t>’</a:t>
+              <a:t>“Second Commit”</a:t>
             </a:r>
             <a:endParaRPr lang="en-US" sz="2400" dirty="0" smtClean="0"/>
           </a:p>
@@ -8442,11 +8418,7 @@
             </a:pPr>
             <a:r>
               <a:rPr lang="en-IN" dirty="0" smtClean="0"/>
-              <a:t>Installation of </a:t>
-            </a:r>
-            <a:r>
-              <a:rPr lang="en-IN" dirty="0" smtClean="0"/>
-              <a:t>Git</a:t>
+              <a:t>Installation of Git</a:t>
             </a:r>
           </a:p>
           <a:p>
@@ -8470,7 +8442,6 @@
               <a:rPr lang="en-IN" dirty="0" smtClean="0"/>
               <a:t>Architecture</a:t>
             </a:r>
-            <a:endParaRPr lang="en-IN" dirty="0" smtClean="0"/>
           </a:p>
           <a:p>
             <a:pPr>
@@ -8478,11 +8449,7 @@
             </a:pPr>
             <a:r>
               <a:rPr lang="en-IN" dirty="0" smtClean="0"/>
-              <a:t>Git </a:t>
-            </a:r>
-            <a:r>
-              <a:rPr lang="en-IN" dirty="0" smtClean="0"/>
-              <a:t>Commands</a:t>
+              <a:t>Git Commands</a:t>
             </a:r>
           </a:p>
           <a:p>

--- a/BitBucket.pptx
+++ b/BitBucket.pptx
@@ -24,13 +24,14 @@
     <p:sldId id="280" r:id="rId18"/>
     <p:sldId id="281" r:id="rId19"/>
     <p:sldId id="282" r:id="rId20"/>
-    <p:sldId id="283" r:id="rId21"/>
-    <p:sldId id="284" r:id="rId22"/>
-    <p:sldId id="285" r:id="rId23"/>
-    <p:sldId id="286" r:id="rId24"/>
-    <p:sldId id="287" r:id="rId25"/>
-    <p:sldId id="264" r:id="rId26"/>
-    <p:sldId id="265" r:id="rId27"/>
+    <p:sldId id="284" r:id="rId21"/>
+    <p:sldId id="285" r:id="rId22"/>
+    <p:sldId id="286" r:id="rId23"/>
+    <p:sldId id="287" r:id="rId24"/>
+    <p:sldId id="288" r:id="rId25"/>
+    <p:sldId id="289" r:id="rId26"/>
+    <p:sldId id="264" r:id="rId27"/>
+    <p:sldId id="265" r:id="rId28"/>
   </p:sldIdLst>
   <p:sldSz cx="9144000" cy="6858000" type="screen4x3"/>
   <p:notesSz cx="6858000" cy="9144000"/>
@@ -791,7 +792,7 @@
             <a:fld id="{100A3043-998B-4D12-B890-019C5CA11EEC}" type="datetimeFigureOut">
               <a:rPr lang="en-IN" smtClean="0"/>
               <a:pPr/>
-              <a:t>28-12-2018</a:t>
+              <a:t>29-12-2018</a:t>
             </a:fld>
             <a:endParaRPr lang="en-IN"/>
           </a:p>
@@ -976,7 +977,7 @@
             <a:fld id="{100A3043-998B-4D12-B890-019C5CA11EEC}" type="datetimeFigureOut">
               <a:rPr lang="en-IN" smtClean="0"/>
               <a:pPr/>
-              <a:t>28-12-2018</a:t>
+              <a:t>29-12-2018</a:t>
             </a:fld>
             <a:endParaRPr lang="en-IN"/>
           </a:p>
@@ -1153,7 +1154,7 @@
             <a:fld id="{100A3043-998B-4D12-B890-019C5CA11EEC}" type="datetimeFigureOut">
               <a:rPr lang="en-IN" smtClean="0"/>
               <a:pPr/>
-              <a:t>28-12-2018</a:t>
+              <a:t>29-12-2018</a:t>
             </a:fld>
             <a:endParaRPr lang="en-IN"/>
           </a:p>
@@ -1320,7 +1321,7 @@
             <a:fld id="{100A3043-998B-4D12-B890-019C5CA11EEC}" type="datetimeFigureOut">
               <a:rPr lang="en-IN" smtClean="0"/>
               <a:pPr/>
-              <a:t>28-12-2018</a:t>
+              <a:t>29-12-2018</a:t>
             </a:fld>
             <a:endParaRPr lang="en-IN"/>
           </a:p>
@@ -1543,7 +1544,7 @@
             <a:fld id="{100A3043-998B-4D12-B890-019C5CA11EEC}" type="datetimeFigureOut">
               <a:rPr lang="en-IN" smtClean="0"/>
               <a:pPr/>
-              <a:t>28-12-2018</a:t>
+              <a:t>29-12-2018</a:t>
             </a:fld>
             <a:endParaRPr lang="en-IN"/>
           </a:p>
@@ -1804,7 +1805,7 @@
             <a:fld id="{100A3043-998B-4D12-B890-019C5CA11EEC}" type="datetimeFigureOut">
               <a:rPr lang="en-IN" smtClean="0"/>
               <a:pPr/>
-              <a:t>28-12-2018</a:t>
+              <a:t>29-12-2018</a:t>
             </a:fld>
             <a:endParaRPr lang="en-IN"/>
           </a:p>
@@ -2210,7 +2211,7 @@
             <a:fld id="{100A3043-998B-4D12-B890-019C5CA11EEC}" type="datetimeFigureOut">
               <a:rPr lang="en-IN" smtClean="0"/>
               <a:pPr/>
-              <a:t>28-12-2018</a:t>
+              <a:t>29-12-2018</a:t>
             </a:fld>
             <a:endParaRPr lang="en-IN"/>
           </a:p>
@@ -2343,7 +2344,7 @@
             <a:fld id="{100A3043-998B-4D12-B890-019C5CA11EEC}" type="datetimeFigureOut">
               <a:rPr lang="en-IN" smtClean="0"/>
               <a:pPr/>
-              <a:t>28-12-2018</a:t>
+              <a:t>29-12-2018</a:t>
             </a:fld>
             <a:endParaRPr lang="en-IN"/>
           </a:p>
@@ -2445,7 +2446,7 @@
             <a:fld id="{100A3043-998B-4D12-B890-019C5CA11EEC}" type="datetimeFigureOut">
               <a:rPr lang="en-IN" smtClean="0"/>
               <a:pPr/>
-              <a:t>28-12-2018</a:t>
+              <a:t>29-12-2018</a:t>
             </a:fld>
             <a:endParaRPr lang="en-IN"/>
           </a:p>
@@ -2692,7 +2693,7 @@
             <a:fld id="{100A3043-998B-4D12-B890-019C5CA11EEC}" type="datetimeFigureOut">
               <a:rPr lang="en-IN" smtClean="0"/>
               <a:pPr/>
-              <a:t>28-12-2018</a:t>
+              <a:t>29-12-2018</a:t>
             </a:fld>
             <a:endParaRPr lang="en-IN"/>
           </a:p>
@@ -2938,7 +2939,7 @@
             <a:fld id="{100A3043-998B-4D12-B890-019C5CA11EEC}" type="datetimeFigureOut">
               <a:rPr lang="en-IN" smtClean="0"/>
               <a:pPr/>
-              <a:t>28-12-2018</a:t>
+              <a:t>29-12-2018</a:t>
             </a:fld>
             <a:endParaRPr lang="en-IN"/>
           </a:p>
@@ -3764,7 +3765,7 @@
             <a:fld id="{100A3043-998B-4D12-B890-019C5CA11EEC}" type="datetimeFigureOut">
               <a:rPr lang="en-IN" smtClean="0"/>
               <a:pPr/>
-              <a:t>28-12-2018</a:t>
+              <a:t>29-12-2018</a:t>
             </a:fld>
             <a:endParaRPr lang="en-IN"/>
           </a:p>
@@ -6567,222 +6568,66 @@
       </p:grpSpPr>
       <p:sp>
         <p:nvSpPr>
-          <p:cNvPr id="3" name="Content Placeholder 2"/>
-          <p:cNvSpPr>
-            <a:spLocks noGrp="1"/>
-          </p:cNvSpPr>
-          <p:nvPr>
-            <p:ph idx="1"/>
+          <p:cNvPr id="4" name="Rectangle 2"/>
+          <p:cNvSpPr>
+            <a:spLocks noGrp="1" noChangeArrowheads="1"/>
+          </p:cNvSpPr>
+          <p:nvPr>
+            <p:ph type="title"/>
           </p:nvPr>
         </p:nvSpPr>
         <p:spPr>
           <a:xfrm>
-            <a:off x="323528" y="1844824"/>
-            <a:ext cx="8229600" cy="4325112"/>
-          </a:xfrm>
-        </p:spPr>
-        <p:txBody>
-          <a:bodyPr>
-            <a:normAutofit lnSpcReduction="10000"/>
-          </a:bodyPr>
-          <a:lstStyle/>
-          <a:p>
-            <a:pPr>
-              <a:lnSpc>
-                <a:spcPct val="90000"/>
-              </a:lnSpc>
-            </a:pPr>
-            <a:r>
-              <a:rPr lang="en-US" i="1" dirty="0" err="1" smtClean="0">
-                <a:latin typeface="Courier" charset="0"/>
-              </a:rPr>
-              <a:t>git</a:t>
-            </a:r>
-            <a:r>
-              <a:rPr lang="en-US" i="1" dirty="0" smtClean="0">
-                <a:latin typeface="Courier" charset="0"/>
-              </a:rPr>
-              <a:t> diff HEAD^^</a:t>
-            </a:r>
-          </a:p>
-          <a:p>
-            <a:pPr lvl="1">
-              <a:lnSpc>
-                <a:spcPct val="90000"/>
-              </a:lnSpc>
-            </a:pPr>
-            <a:r>
-              <a:rPr lang="en-US" sz="2400" dirty="0" smtClean="0"/>
-              <a:t>Show what has changed in last two commits</a:t>
-            </a:r>
-          </a:p>
-          <a:p>
-            <a:pPr>
-              <a:lnSpc>
-                <a:spcPct val="90000"/>
-              </a:lnSpc>
-            </a:pPr>
-            <a:r>
-              <a:rPr lang="en-US" i="1" dirty="0" err="1" smtClean="0"/>
-              <a:t>git</a:t>
-            </a:r>
-            <a:r>
-              <a:rPr lang="en-US" i="1" dirty="0" smtClean="0"/>
-              <a:t> diff HEAD~10..HEAD~2</a:t>
-            </a:r>
-            <a:endParaRPr lang="en-US" dirty="0" smtClean="0"/>
-          </a:p>
-          <a:p>
-            <a:pPr lvl="1">
-              <a:lnSpc>
-                <a:spcPct val="90000"/>
-              </a:lnSpc>
-            </a:pPr>
-            <a:r>
-              <a:rPr lang="en-US" sz="2400" dirty="0" smtClean="0"/>
-              <a:t>Show what changed between 10 commits ago and two commits ago</a:t>
-            </a:r>
-          </a:p>
-          <a:p>
-            <a:pPr>
-              <a:lnSpc>
-                <a:spcPct val="90000"/>
-              </a:lnSpc>
-            </a:pPr>
-            <a:r>
-              <a:rPr lang="en-US" i="1" dirty="0" err="1" smtClean="0">
-                <a:latin typeface="Courier" charset="0"/>
-              </a:rPr>
-              <a:t>git</a:t>
-            </a:r>
-            <a:r>
-              <a:rPr lang="en-US" i="1" dirty="0" smtClean="0">
-                <a:latin typeface="Courier" charset="0"/>
-              </a:rPr>
-              <a:t> format-patch HEAD^^..HEAD</a:t>
-            </a:r>
-            <a:endParaRPr lang="en-US" dirty="0" smtClean="0"/>
-          </a:p>
-          <a:p>
-            <a:pPr lvl="1">
-              <a:lnSpc>
-                <a:spcPct val="90000"/>
-              </a:lnSpc>
-            </a:pPr>
-            <a:r>
-              <a:rPr lang="en-US" sz="2400" dirty="0" smtClean="0"/>
-              <a:t>Will create individual patch files per commit</a:t>
-            </a:r>
-          </a:p>
-          <a:p>
-            <a:pPr>
-              <a:lnSpc>
-                <a:spcPct val="90000"/>
-              </a:lnSpc>
-            </a:pPr>
-            <a:r>
-              <a:rPr lang="en-US" i="1" dirty="0" err="1" smtClean="0">
-                <a:latin typeface="Courier" charset="0"/>
-              </a:rPr>
-              <a:t>git</a:t>
-            </a:r>
-            <a:r>
-              <a:rPr lang="en-US" i="1" dirty="0" smtClean="0">
-                <a:latin typeface="Courier" charset="0"/>
-              </a:rPr>
-              <a:t> apply</a:t>
-            </a:r>
+            <a:off x="467544" y="908720"/>
+            <a:ext cx="8229600" cy="1066800"/>
+          </a:xfrm>
+        </p:spPr>
+        <p:txBody>
+          <a:bodyPr/>
+          <a:lstStyle/>
+          <a:p>
+            <a:pPr eaLnBrk="1" hangingPunct="1"/>
             <a:r>
               <a:rPr lang="en-US" dirty="0" smtClean="0"/>
-              <a:t> to apply patches</a:t>
-            </a:r>
-          </a:p>
-          <a:p>
-            <a:pPr lvl="1">
-              <a:lnSpc>
-                <a:spcPct val="90000"/>
-              </a:lnSpc>
-            </a:pPr>
-            <a:r>
-              <a:rPr lang="en-US" sz="2400" dirty="0" smtClean="0"/>
-              <a:t>To apply patches from an </a:t>
-            </a:r>
-            <a:r>
-              <a:rPr lang="en-US" sz="2400" dirty="0" err="1" smtClean="0"/>
-              <a:t>mbox</a:t>
-            </a:r>
-            <a:endParaRPr lang="en-US" sz="2400" dirty="0" smtClean="0"/>
-          </a:p>
-          <a:p>
-            <a:pPr>
-              <a:lnSpc>
-                <a:spcPct val="90000"/>
-              </a:lnSpc>
-            </a:pPr>
-            <a:r>
-              <a:rPr lang="en-US" dirty="0" smtClean="0"/>
-              <a:t>Can also compare</a:t>
-            </a:r>
-          </a:p>
-          <a:p>
-            <a:pPr lvl="1">
-              <a:lnSpc>
-                <a:spcPct val="90000"/>
-              </a:lnSpc>
-            </a:pPr>
-            <a:r>
-              <a:rPr lang="en-US" sz="2400" dirty="0" smtClean="0"/>
-              <a:t>Between specific objects</a:t>
-            </a:r>
-          </a:p>
-          <a:p>
-            <a:pPr lvl="1">
-              <a:lnSpc>
-                <a:spcPct val="90000"/>
-              </a:lnSpc>
-            </a:pPr>
-            <a:r>
-              <a:rPr lang="en-US" sz="2400" dirty="0" smtClean="0"/>
-              <a:t>To branches/tags </a:t>
-            </a:r>
-          </a:p>
-          <a:p>
-            <a:endParaRPr lang="en-IN" dirty="0"/>
-          </a:p>
-        </p:txBody>
-      </p:sp>
-      <p:sp>
-        <p:nvSpPr>
-          <p:cNvPr id="4" name="Rectangle 2"/>
-          <p:cNvSpPr>
-            <a:spLocks noGrp="1" noChangeArrowheads="1"/>
-          </p:cNvSpPr>
-          <p:nvPr>
-            <p:ph type="title"/>
-          </p:nvPr>
-        </p:nvSpPr>
-        <p:spPr>
+              <a:t>Undoing What is Done</a:t>
+            </a:r>
+          </a:p>
+        </p:txBody>
+      </p:sp>
+      <p:pic>
+        <p:nvPicPr>
+          <p:cNvPr id="5" name="Picture 2"/>
+          <p:cNvPicPr>
+            <a:picLocks noGrp="1" noChangeAspect="1" noChangeArrowheads="1"/>
+          </p:cNvPicPr>
+          <p:nvPr>
+            <p:ph idx="1"/>
+          </p:nvPr>
+        </p:nvPicPr>
+        <p:blipFill>
+          <a:blip r:embed="rId2" cstate="print"/>
+          <a:srcRect/>
+          <a:stretch>
+            <a:fillRect/>
+          </a:stretch>
+        </p:blipFill>
+        <p:spPr bwMode="auto">
           <a:xfrm>
-            <a:off x="467544" y="620688"/>
-            <a:ext cx="8229600" cy="1066800"/>
-          </a:xfrm>
-        </p:spPr>
-        <p:txBody>
-          <a:bodyPr/>
-          <a:lstStyle/>
-          <a:p>
-            <a:pPr eaLnBrk="1" hangingPunct="1"/>
-            <a:r>
-              <a:rPr lang="en-US" dirty="0" err="1" smtClean="0"/>
-              <a:t>Git</a:t>
-            </a:r>
-            <a:r>
-              <a:rPr lang="en-US" dirty="0" smtClean="0"/>
-              <a:t> and Patch files</a:t>
-            </a:r>
-          </a:p>
-        </p:txBody>
-      </p:sp>
+            <a:off x="467544" y="1844824"/>
+            <a:ext cx="7934903" cy="3888432"/>
+          </a:xfrm>
+          <a:prstGeom prst="rect">
+            <a:avLst/>
+          </a:prstGeom>
+          <a:noFill/>
+          <a:ln w="9525">
+            <a:noFill/>
+            <a:miter lim="800000"/>
+            <a:headEnd/>
+            <a:tailEnd/>
+          </a:ln>
+        </p:spPr>
+      </p:pic>
     </p:spTree>
   </p:cSld>
   <p:clrMapOvr>
@@ -6818,157 +6663,31 @@
             <p:ph idx="1"/>
           </p:nvPr>
         </p:nvSpPr>
-        <p:spPr>
-          <a:xfrm>
-            <a:off x="467544" y="1916832"/>
-            <a:ext cx="8229600" cy="4325112"/>
-          </a:xfrm>
-        </p:spPr>
+        <p:spPr/>
         <p:txBody>
           <a:bodyPr/>
           <a:lstStyle/>
           <a:p>
-            <a:pPr>
-              <a:lnSpc>
-                <a:spcPct val="90000"/>
-              </a:lnSpc>
-            </a:pPr>
-            <a:r>
-              <a:rPr lang="en-US" dirty="0" err="1" smtClean="0"/>
+            <a:r>
+              <a:rPr lang="en-US" dirty="0" smtClean="0"/>
+              <a:t>Tags are just human readable shortcuts for hashes</a:t>
+            </a:r>
+          </a:p>
+          <a:p>
+            <a:r>
+              <a:rPr lang="en-US" dirty="0" smtClean="0"/>
+              <a:t>Branches can be made from any commit</a:t>
+            </a:r>
+          </a:p>
+          <a:p>
+            <a:r>
+              <a:rPr lang="en-US" i="1" dirty="0" err="1" smtClean="0"/>
               <a:t>git</a:t>
             </a:r>
             <a:r>
-              <a:rPr lang="en-US" dirty="0" smtClean="0"/>
-              <a:t> checkout</a:t>
-            </a:r>
-          </a:p>
-          <a:p>
-            <a:pPr lvl="1">
-              <a:lnSpc>
-                <a:spcPct val="90000"/>
-              </a:lnSpc>
-            </a:pPr>
-            <a:r>
-              <a:rPr lang="en-US" sz="2400" dirty="0" smtClean="0"/>
-              <a:t>Used to checkout a specific version/branch of the tree</a:t>
-            </a:r>
-          </a:p>
-          <a:p>
-            <a:pPr>
-              <a:lnSpc>
-                <a:spcPct val="90000"/>
-              </a:lnSpc>
-            </a:pPr>
-            <a:r>
-              <a:rPr lang="en-US" dirty="0" err="1" smtClean="0"/>
-              <a:t>git</a:t>
-            </a:r>
-            <a:r>
-              <a:rPr lang="en-US" dirty="0" smtClean="0"/>
-              <a:t> reset</a:t>
-            </a:r>
-          </a:p>
-          <a:p>
-            <a:pPr lvl="1">
-              <a:lnSpc>
-                <a:spcPct val="90000"/>
-              </a:lnSpc>
-            </a:pPr>
-            <a:r>
-              <a:rPr lang="en-US" sz="2400" dirty="0" smtClean="0"/>
-              <a:t>Moves the tree back to a certain specified version</a:t>
-            </a:r>
-          </a:p>
-          <a:p>
-            <a:pPr lvl="1">
-              <a:lnSpc>
-                <a:spcPct val="90000"/>
-              </a:lnSpc>
-            </a:pPr>
-            <a:r>
-              <a:rPr lang="en-US" sz="2400" dirty="0" smtClean="0"/>
-              <a:t>Use the --force to ignore working changes</a:t>
-            </a:r>
-          </a:p>
-          <a:p>
-            <a:pPr>
-              <a:lnSpc>
-                <a:spcPct val="90000"/>
-              </a:lnSpc>
-            </a:pPr>
-            <a:r>
-              <a:rPr lang="en-US" dirty="0" err="1" smtClean="0"/>
-              <a:t>git</a:t>
-            </a:r>
-            <a:r>
-              <a:rPr lang="en-US" dirty="0" smtClean="0"/>
-              <a:t> revert</a:t>
-            </a:r>
-          </a:p>
-          <a:p>
-            <a:pPr lvl="1">
-              <a:lnSpc>
-                <a:spcPct val="90000"/>
-              </a:lnSpc>
-            </a:pPr>
-            <a:r>
-              <a:rPr lang="en-US" sz="2400" dirty="0" smtClean="0"/>
-              <a:t>Reverts a commit</a:t>
-            </a:r>
-          </a:p>
-          <a:p>
-            <a:pPr lvl="1">
-              <a:lnSpc>
-                <a:spcPct val="90000"/>
-              </a:lnSpc>
-            </a:pPr>
-            <a:r>
-              <a:rPr lang="en-US" sz="2400" dirty="0" smtClean="0"/>
-              <a:t>Does not delete the commit object, just applies a patch</a:t>
-            </a:r>
-          </a:p>
-          <a:p>
-            <a:pPr lvl="1">
-              <a:lnSpc>
-                <a:spcPct val="90000"/>
-              </a:lnSpc>
-            </a:pPr>
-            <a:r>
-              <a:rPr lang="en-US" sz="2400" dirty="0" smtClean="0"/>
-              <a:t>Reverts can themselves be reverted!</a:t>
-            </a:r>
-          </a:p>
-          <a:p>
-            <a:pPr>
-              <a:lnSpc>
-                <a:spcPct val="90000"/>
-              </a:lnSpc>
-            </a:pPr>
-            <a:r>
-              <a:rPr lang="en-US" dirty="0" err="1" smtClean="0"/>
-              <a:t>Git</a:t>
-            </a:r>
-            <a:r>
-              <a:rPr lang="en-US" dirty="0" smtClean="0"/>
-              <a:t> never deletes a commit object</a:t>
-            </a:r>
-          </a:p>
-          <a:p>
-            <a:pPr lvl="1">
-              <a:lnSpc>
-                <a:spcPct val="90000"/>
-              </a:lnSpc>
-            </a:pPr>
-            <a:r>
-              <a:rPr lang="en-US" sz="2400" dirty="0" smtClean="0"/>
-              <a:t>It is very hard to shoot yourself in the foot!</a:t>
-            </a:r>
-          </a:p>
-          <a:p>
-            <a:pPr>
-              <a:buNone/>
-            </a:pPr>
-            <a:endParaRPr lang="en-IN" dirty="0"/>
+              <a:rPr lang="en-US" i="1" dirty="0" smtClean="0"/>
+              <a:t> tag &lt;tag-name&gt;</a:t>
+            </a:r>
           </a:p>
         </p:txBody>
       </p:sp>
@@ -6982,20 +6701,15 @@
             <p:ph type="title"/>
           </p:nvPr>
         </p:nvSpPr>
-        <p:spPr>
-          <a:xfrm>
-            <a:off x="395288" y="836613"/>
-            <a:ext cx="8229600" cy="1066800"/>
-          </a:xfrm>
-        </p:spPr>
+        <p:spPr/>
         <p:txBody>
           <a:bodyPr/>
           <a:lstStyle/>
           <a:p>
             <a:pPr eaLnBrk="1" hangingPunct="1"/>
             <a:r>
-              <a:rPr lang="en-US" dirty="0" smtClean="0"/>
-              <a:t>Undoing What is Done</a:t>
+              <a:rPr lang="en-US" smtClean="0"/>
+              <a:t>Git and Tagging</a:t>
             </a:r>
           </a:p>
         </p:txBody>
@@ -7035,31 +6749,157 @@
             <p:ph idx="1"/>
           </p:nvPr>
         </p:nvSpPr>
-        <p:spPr/>
+        <p:spPr>
+          <a:xfrm>
+            <a:off x="395536" y="1916832"/>
+            <a:ext cx="8229600" cy="4325112"/>
+          </a:xfrm>
+        </p:spPr>
         <p:txBody>
           <a:bodyPr/>
           <a:lstStyle/>
           <a:p>
+            <a:pPr>
+              <a:lnSpc>
+                <a:spcPct val="90000"/>
+              </a:lnSpc>
+            </a:pPr>
+            <a:r>
+              <a:rPr lang="en-US" dirty="0" err="1" smtClean="0"/>
+              <a:t>Git</a:t>
+            </a:r>
             <a:r>
               <a:rPr lang="en-US" dirty="0" smtClean="0"/>
-              <a:t>Tags are just human readable shortcuts for hashes</a:t>
-            </a:r>
-          </a:p>
-          <a:p>
+              <a:t> branching is lightweight</a:t>
+            </a:r>
+          </a:p>
+          <a:p>
+            <a:pPr lvl="1">
+              <a:lnSpc>
+                <a:spcPct val="90000"/>
+              </a:lnSpc>
+            </a:pPr>
+            <a:r>
+              <a:rPr lang="en-US" sz="2400" dirty="0" smtClean="0"/>
+              <a:t>No massive copying a la CVS/Subversion</a:t>
+            </a:r>
+          </a:p>
+          <a:p>
+            <a:pPr lvl="1">
+              <a:lnSpc>
+                <a:spcPct val="90000"/>
+              </a:lnSpc>
+            </a:pPr>
+            <a:r>
+              <a:rPr lang="en-US" sz="2400" dirty="0" smtClean="0"/>
+              <a:t>Tools for helping merge branches and changes easily</a:t>
+            </a:r>
+          </a:p>
+          <a:p>
+            <a:pPr>
+              <a:lnSpc>
+                <a:spcPct val="90000"/>
+              </a:lnSpc>
+            </a:pPr>
             <a:r>
               <a:rPr lang="en-US" dirty="0" smtClean="0"/>
-              <a:t>Branches can be made from any commit</a:t>
-            </a:r>
-          </a:p>
-          <a:p>
-            <a:r>
-              <a:rPr lang="en-US" i="1" dirty="0" err="1" smtClean="0"/>
+              <a:t>You are ALWAYS on a branch</a:t>
+            </a:r>
+          </a:p>
+          <a:p>
+            <a:pPr>
+              <a:lnSpc>
+                <a:spcPct val="90000"/>
+              </a:lnSpc>
+            </a:pPr>
+            <a:r>
+              <a:rPr lang="en-US" dirty="0" smtClean="0"/>
+              <a:t>Branches can be local or remote</a:t>
+            </a:r>
+          </a:p>
+          <a:p>
+            <a:pPr>
+              <a:lnSpc>
+                <a:spcPct val="90000"/>
+              </a:lnSpc>
+            </a:pPr>
+            <a:r>
+              <a:rPr lang="en-US" dirty="0" smtClean="0"/>
+              <a:t>Key commands</a:t>
+            </a:r>
+          </a:p>
+          <a:p>
+            <a:pPr lvl="1">
+              <a:lnSpc>
+                <a:spcPct val="90000"/>
+              </a:lnSpc>
+            </a:pPr>
+            <a:r>
+              <a:rPr lang="en-US" sz="2400" dirty="0" err="1" smtClean="0"/>
               <a:t>git</a:t>
             </a:r>
             <a:r>
-              <a:rPr lang="en-US" i="1" dirty="0" smtClean="0"/>
-              <a:t> tag &lt;tag-name&gt;</a:t>
-            </a:r>
+              <a:rPr lang="en-US" sz="2400" dirty="0" smtClean="0"/>
+              <a:t> branch</a:t>
+            </a:r>
+          </a:p>
+          <a:p>
+            <a:pPr lvl="1">
+              <a:lnSpc>
+                <a:spcPct val="90000"/>
+              </a:lnSpc>
+            </a:pPr>
+            <a:r>
+              <a:rPr lang="en-US" sz="2400" dirty="0" err="1" smtClean="0"/>
+              <a:t>git</a:t>
+            </a:r>
+            <a:r>
+              <a:rPr lang="en-US" sz="2400" dirty="0" smtClean="0"/>
+              <a:t> merge</a:t>
+            </a:r>
+          </a:p>
+          <a:p>
+            <a:pPr lvl="1">
+              <a:lnSpc>
+                <a:spcPct val="90000"/>
+              </a:lnSpc>
+            </a:pPr>
+            <a:r>
+              <a:rPr lang="en-US" sz="2400" dirty="0" err="1" smtClean="0"/>
+              <a:t>git</a:t>
+            </a:r>
+            <a:r>
+              <a:rPr lang="en-US" sz="2400" dirty="0" smtClean="0"/>
+              <a:t> cherry-pick</a:t>
+            </a:r>
+          </a:p>
+          <a:p>
+            <a:pPr lvl="2">
+              <a:lnSpc>
+                <a:spcPct val="90000"/>
+              </a:lnSpc>
+            </a:pPr>
+            <a:r>
+              <a:rPr lang="en-US" sz="2000" dirty="0" smtClean="0"/>
+              <a:t>Allows you to choose specific commits to apply</a:t>
+            </a:r>
+          </a:p>
+          <a:p>
+            <a:pPr lvl="2">
+              <a:lnSpc>
+                <a:spcPct val="90000"/>
+              </a:lnSpc>
+            </a:pPr>
+            <a:r>
+              <a:rPr lang="en-US" sz="2000" dirty="0" smtClean="0"/>
+              <a:t>You can edit the commits while cherry picking</a:t>
+            </a:r>
+          </a:p>
+          <a:p>
+            <a:pPr>
+              <a:buNone/>
+            </a:pPr>
+            <a:endParaRPr lang="en-IN" dirty="0"/>
           </a:p>
         </p:txBody>
       </p:sp>
@@ -7073,7 +6913,12 @@
             <p:ph type="title"/>
           </p:nvPr>
         </p:nvSpPr>
-        <p:spPr/>
+        <p:spPr>
+          <a:xfrm>
+            <a:off x="395536" y="764704"/>
+            <a:ext cx="8229600" cy="1066800"/>
+          </a:xfrm>
+        </p:spPr>
         <p:txBody>
           <a:bodyPr/>
           <a:lstStyle/>
@@ -7081,7 +6926,7 @@
             <a:pPr eaLnBrk="1" hangingPunct="1"/>
             <a:r>
               <a:rPr lang="en-US" smtClean="0"/>
-              <a:t>Git and Tagging</a:t>
+              <a:t>Branching</a:t>
             </a:r>
           </a:p>
         </p:txBody>
@@ -7121,12 +6966,7 @@
             <p:ph idx="1"/>
           </p:nvPr>
         </p:nvSpPr>
-        <p:spPr>
-          <a:xfrm>
-            <a:off x="395536" y="1916832"/>
-            <a:ext cx="8229600" cy="4325112"/>
-          </a:xfrm>
-        </p:spPr>
+        <p:spPr/>
         <p:txBody>
           <a:bodyPr/>
           <a:lstStyle/>
@@ -7137,13 +6977,68 @@
               </a:lnSpc>
             </a:pPr>
             <a:r>
-              <a:rPr lang="en-US" dirty="0" err="1" smtClean="0"/>
-              <a:t>Git</a:t>
-            </a:r>
-            <a:r>
-              <a:rPr lang="en-US" dirty="0" smtClean="0"/>
-              <a:t> branching is lightweight</a:t>
-            </a:r>
+              <a:rPr lang="en-US" i="1" dirty="0" err="1" smtClean="0">
+                <a:latin typeface="Courier" charset="0"/>
+              </a:rPr>
+              <a:t>git</a:t>
+            </a:r>
+            <a:r>
+              <a:rPr lang="en-US" i="1" dirty="0" smtClean="0">
+                <a:latin typeface="Courier" charset="0"/>
+              </a:rPr>
+              <a:t> checkout -b branch</a:t>
+            </a:r>
+          </a:p>
+          <a:p>
+            <a:pPr>
+              <a:lnSpc>
+                <a:spcPct val="90000"/>
+              </a:lnSpc>
+            </a:pPr>
+            <a:r>
+              <a:rPr lang="en-US" i="1" dirty="0" err="1" smtClean="0">
+                <a:latin typeface="Courier" charset="0"/>
+              </a:rPr>
+              <a:t>git</a:t>
+            </a:r>
+            <a:r>
+              <a:rPr lang="en-US" i="1" dirty="0" smtClean="0">
+                <a:latin typeface="Courier" charset="0"/>
+              </a:rPr>
+              <a:t> checkout -b </a:t>
+            </a:r>
+            <a:r>
+              <a:rPr lang="en-US" i="1" dirty="0" err="1" smtClean="0">
+                <a:latin typeface="Courier" charset="0"/>
+              </a:rPr>
+              <a:t>devel</a:t>
+            </a:r>
+            <a:r>
+              <a:rPr lang="en-US" i="1" dirty="0" smtClean="0">
+                <a:latin typeface="Courier" charset="0"/>
+              </a:rPr>
+              <a:t>/branch</a:t>
+            </a:r>
+          </a:p>
+          <a:p>
+            <a:pPr>
+              <a:lnSpc>
+                <a:spcPct val="90000"/>
+              </a:lnSpc>
+            </a:pPr>
+            <a:r>
+              <a:rPr lang="en-US" i="1" dirty="0" err="1" smtClean="0">
+                <a:latin typeface="Courier" charset="0"/>
+              </a:rPr>
+              <a:t>git</a:t>
+            </a:r>
+            <a:r>
+              <a:rPr lang="en-US" i="1" dirty="0" smtClean="0">
+                <a:latin typeface="Courier" charset="0"/>
+              </a:rPr>
+              <a:t> branch</a:t>
+            </a:r>
+            <a:endParaRPr lang="en-US" dirty="0" smtClean="0"/>
           </a:p>
           <a:p>
             <a:pPr lvl="1">
@@ -7152,8 +7047,19 @@
               </a:lnSpc>
             </a:pPr>
             <a:r>
-              <a:rPr lang="en-US" sz="2400" dirty="0" smtClean="0"/>
-              <a:t>No massive copying a la CVS/Subversion</a:t>
+              <a:rPr lang="en-US" dirty="0" smtClean="0"/>
+              <a:t>Lists all local branches available</a:t>
+            </a:r>
+          </a:p>
+          <a:p>
+            <a:pPr>
+              <a:lnSpc>
+                <a:spcPct val="90000"/>
+              </a:lnSpc>
+            </a:pPr>
+            <a:r>
+              <a:rPr lang="en-US" dirty="0" smtClean="0"/>
+              <a:t>We can now make changes in one branch and propagate change using</a:t>
             </a:r>
           </a:p>
           <a:p>
@@ -7163,41 +7069,12 @@
               </a:lnSpc>
             </a:pPr>
             <a:r>
-              <a:rPr lang="en-US" sz="2400" dirty="0" smtClean="0"/>
-              <a:t>Tools for helping merge branches and changes easily</a:t>
-            </a:r>
-          </a:p>
-          <a:p>
-            <a:pPr>
-              <a:lnSpc>
-                <a:spcPct val="90000"/>
-              </a:lnSpc>
-            </a:pPr>
+              <a:rPr lang="en-US" dirty="0" err="1" smtClean="0"/>
+              <a:t>git</a:t>
+            </a:r>
             <a:r>
               <a:rPr lang="en-US" dirty="0" smtClean="0"/>
-              <a:t>You are ALWAYS on a branch</a:t>
-            </a:r>
-          </a:p>
-          <a:p>
-            <a:pPr>
-              <a:lnSpc>
-                <a:spcPct val="90000"/>
-              </a:lnSpc>
-            </a:pPr>
-            <a:r>
-              <a:rPr lang="en-US" dirty="0" smtClean="0"/>
-              <a:t>Branches can be local or remote</a:t>
-            </a:r>
-          </a:p>
-          <a:p>
-            <a:pPr>
-              <a:lnSpc>
-                <a:spcPct val="90000"/>
-              </a:lnSpc>
-            </a:pPr>
-            <a:r>
-              <a:rPr lang="en-US" dirty="0" smtClean="0"/>
-              <a:t>Key commands</a:t>
+              <a:t> merge</a:t>
             </a:r>
           </a:p>
           <a:p>
@@ -7207,72 +7084,14 @@
               </a:lnSpc>
             </a:pPr>
             <a:r>
-              <a:rPr lang="en-US" sz="2400" dirty="0" err="1" smtClean="0"/>
+              <a:rPr lang="en-US" dirty="0" err="1" smtClean="0"/>
               <a:t>git</a:t>
             </a:r>
             <a:r>
-              <a:rPr lang="en-US" sz="2400" dirty="0" smtClean="0"/>
-              <a:t> branch</a:t>
-            </a:r>
-          </a:p>
-          <a:p>
-            <a:pPr lvl="1">
-              <a:lnSpc>
-                <a:spcPct val="90000"/>
-              </a:lnSpc>
-            </a:pPr>
-            <a:r>
-              <a:rPr lang="en-US" sz="2400" dirty="0" err="1" smtClean="0"/>
-              <a:t>git</a:t>
-            </a:r>
-            <a:r>
-              <a:rPr lang="en-US" sz="2400" dirty="0" smtClean="0"/>
-              <a:t> merge</a:t>
-            </a:r>
-          </a:p>
-          <a:p>
-            <a:pPr lvl="1">
-              <a:lnSpc>
-                <a:spcPct val="90000"/>
-              </a:lnSpc>
-            </a:pPr>
-            <a:r>
-              <a:rPr lang="en-US" sz="2400" dirty="0" err="1" smtClean="0"/>
-              <a:t>git</a:t>
-            </a:r>
-            <a:r>
-              <a:rPr lang="en-US" sz="2400" dirty="0" smtClean="0"/>
+              <a:rPr lang="en-US" dirty="0" smtClean="0"/>
               <a:t> cherry-pick</a:t>
             </a:r>
           </a:p>
-          <a:p>
-            <a:pPr lvl="2">
-              <a:lnSpc>
-                <a:spcPct val="90000"/>
-              </a:lnSpc>
-            </a:pPr>
-            <a:r>
-              <a:rPr lang="en-US" sz="2000" dirty="0" smtClean="0"/>
-              <a:t>Allows you to choose specific commits to apply</a:t>
-            </a:r>
-          </a:p>
-          <a:p>
-            <a:pPr lvl="2">
-              <a:lnSpc>
-                <a:spcPct val="90000"/>
-              </a:lnSpc>
-            </a:pPr>
-            <a:r>
-              <a:rPr lang="en-US" sz="2000" dirty="0" smtClean="0"/>
-              <a:t>You can edit the commits while cherry picking</a:t>
-            </a:r>
-          </a:p>
-          <a:p>
-            <a:pPr>
-              <a:buNone/>
-            </a:pPr>
-            <a:endParaRPr lang="en-IN" dirty="0"/>
-          </a:p>
         </p:txBody>
       </p:sp>
       <p:sp>
@@ -7285,20 +7104,15 @@
             <p:ph type="title"/>
           </p:nvPr>
         </p:nvSpPr>
-        <p:spPr>
-          <a:xfrm>
-            <a:off x="395536" y="764704"/>
-            <a:ext cx="8229600" cy="1066800"/>
-          </a:xfrm>
-        </p:spPr>
+        <p:spPr/>
         <p:txBody>
           <a:bodyPr/>
           <a:lstStyle/>
           <a:p>
             <a:pPr eaLnBrk="1" hangingPunct="1"/>
             <a:r>
-              <a:rPr lang="en-US" smtClean="0"/>
-              <a:t>Branching</a:t>
+              <a:rPr lang="en-US" dirty="0" smtClean="0"/>
+              <a:t>Using Branches</a:t>
             </a:r>
           </a:p>
         </p:txBody>
@@ -7330,162 +7144,37 @@
       </p:grpSpPr>
       <p:sp>
         <p:nvSpPr>
-          <p:cNvPr id="3" name="Content Placeholder 2"/>
-          <p:cNvSpPr>
-            <a:spLocks noGrp="1"/>
-          </p:cNvSpPr>
-          <p:nvPr>
-            <p:ph idx="1"/>
-          </p:nvPr>
-        </p:nvSpPr>
-        <p:spPr/>
+          <p:cNvPr id="2" name="Title 1"/>
+          <p:cNvSpPr>
+            <a:spLocks noGrp="1"/>
+          </p:cNvSpPr>
+          <p:nvPr>
+            <p:ph type="title"/>
+          </p:nvPr>
+        </p:nvSpPr>
+        <p:spPr>
+          <a:xfrm>
+            <a:off x="1907704" y="2780928"/>
+            <a:ext cx="5698976" cy="1066800"/>
+          </a:xfrm>
+        </p:spPr>
         <p:txBody>
           <a:bodyPr/>
           <a:lstStyle/>
           <a:p>
-            <a:pPr>
-              <a:lnSpc>
-                <a:spcPct val="90000"/>
-              </a:lnSpc>
-            </a:pPr>
-            <a:r>
-              <a:rPr lang="en-US" i="1" dirty="0" err="1" smtClean="0">
-                <a:latin typeface="Courier" charset="0"/>
-              </a:rPr>
-              <a:t>git</a:t>
-            </a:r>
-            <a:r>
-              <a:rPr lang="en-US" i="1" dirty="0" smtClean="0">
-                <a:latin typeface="Courier" charset="0"/>
-              </a:rPr>
-              <a:t> checkout -b branch</a:t>
-            </a:r>
-          </a:p>
-          <a:p>
-            <a:pPr>
-              <a:lnSpc>
-                <a:spcPct val="90000"/>
-              </a:lnSpc>
-            </a:pPr>
-            <a:r>
-              <a:rPr lang="en-US" i="1" dirty="0" err="1" smtClean="0">
-                <a:latin typeface="Courier" charset="0"/>
-              </a:rPr>
-              <a:t>git</a:t>
-            </a:r>
-            <a:r>
-              <a:rPr lang="en-US" i="1" dirty="0" smtClean="0">
-                <a:latin typeface="Courier" charset="0"/>
-              </a:rPr>
-              <a:t> checkout -b </a:t>
-            </a:r>
-            <a:r>
-              <a:rPr lang="en-US" i="1" dirty="0" err="1" smtClean="0">
-                <a:latin typeface="Courier" charset="0"/>
-              </a:rPr>
-              <a:t>devel</a:t>
-            </a:r>
-            <a:r>
-              <a:rPr lang="en-US" i="1" dirty="0" smtClean="0">
-                <a:latin typeface="Courier" charset="0"/>
-              </a:rPr>
-              <a:t>/branch</a:t>
-            </a:r>
-          </a:p>
-          <a:p>
-            <a:pPr>
-              <a:lnSpc>
-                <a:spcPct val="90000"/>
-              </a:lnSpc>
-            </a:pPr>
-            <a:r>
-              <a:rPr lang="en-US" i="1" dirty="0" err="1" smtClean="0">
-                <a:latin typeface="Courier" charset="0"/>
-              </a:rPr>
-              <a:t>git</a:t>
-            </a:r>
-            <a:r>
-              <a:rPr lang="en-US" i="1" dirty="0" smtClean="0">
-                <a:latin typeface="Courier" charset="0"/>
-              </a:rPr>
-              <a:t> branch</a:t>
-            </a:r>
-            <a:endParaRPr lang="en-US" dirty="0" smtClean="0"/>
-          </a:p>
-          <a:p>
-            <a:pPr lvl="1">
-              <a:lnSpc>
-                <a:spcPct val="90000"/>
-              </a:lnSpc>
-            </a:pPr>
-            <a:r>
-              <a:rPr lang="en-US" dirty="0" smtClean="0"/>
-              <a:t>Lists all local branches available</a:t>
-            </a:r>
-          </a:p>
-          <a:p>
-            <a:pPr>
-              <a:lnSpc>
-                <a:spcPct val="90000"/>
-              </a:lnSpc>
-            </a:pPr>
-            <a:r>
-              <a:rPr lang="en-US" dirty="0" smtClean="0"/>
-              <a:t>We can now make changes in one branch and propagate change using</a:t>
-            </a:r>
-          </a:p>
-          <a:p>
-            <a:pPr lvl="1">
-              <a:lnSpc>
-                <a:spcPct val="90000"/>
-              </a:lnSpc>
-            </a:pPr>
-            <a:r>
-              <a:rPr lang="en-US" dirty="0" err="1" smtClean="0"/>
-              <a:t>git</a:t>
-            </a:r>
-            <a:r>
-              <a:rPr lang="en-US" dirty="0" smtClean="0"/>
-              <a:t> merge</a:t>
-            </a:r>
-          </a:p>
-          <a:p>
-            <a:pPr lvl="1">
-              <a:lnSpc>
-                <a:spcPct val="90000"/>
-              </a:lnSpc>
-            </a:pPr>
-            <a:r>
-              <a:rPr lang="en-US" dirty="0" err="1" smtClean="0"/>
-              <a:t>git</a:t>
-            </a:r>
-            <a:r>
-              <a:rPr lang="en-US" dirty="0" smtClean="0"/>
-              <a:t> cherry-pick</a:t>
-            </a:r>
-          </a:p>
-        </p:txBody>
-      </p:sp>
-      <p:sp>
-        <p:nvSpPr>
-          <p:cNvPr id="4" name="Rectangle 2"/>
-          <p:cNvSpPr>
-            <a:spLocks noGrp="1" noChangeArrowheads="1"/>
-          </p:cNvSpPr>
-          <p:nvPr>
-            <p:ph type="title"/>
-          </p:nvPr>
-        </p:nvSpPr>
-        <p:spPr/>
-        <p:txBody>
-          <a:bodyPr/>
-          <a:lstStyle/>
-          <a:p>
-            <a:pPr eaLnBrk="1" hangingPunct="1"/>
-            <a:r>
-              <a:rPr lang="en-US" dirty="0" smtClean="0"/>
-              <a:t>Using Branches</a:t>
-            </a:r>
+            <a:r>
+              <a:rPr lang="en-IN" dirty="0" err="1" smtClean="0"/>
+              <a:t>BitBucket</a:t>
+            </a:r>
+            <a:r>
+              <a:rPr lang="en-IN" dirty="0" smtClean="0"/>
+              <a:t> </a:t>
+            </a:r>
+            <a:r>
+              <a:rPr lang="en-IN" dirty="0" err="1" smtClean="0"/>
+              <a:t>Adminstration</a:t>
+            </a:r>
+            <a:endParaRPr lang="en-IN" dirty="0"/>
           </a:p>
         </p:txBody>
       </p:sp>
@@ -7524,22 +7213,96 @@
             <p:ph type="title"/>
           </p:nvPr>
         </p:nvSpPr>
-        <p:spPr>
-          <a:xfrm>
-            <a:off x="539552" y="2564904"/>
-            <a:ext cx="8229600" cy="1143000"/>
-          </a:xfrm>
-        </p:spPr>
+        <p:spPr/>
         <p:txBody>
           <a:bodyPr/>
           <a:lstStyle/>
           <a:p>
-            <a:pPr algn="ctr"/>
-            <a:r>
-              <a:rPr lang="en-IN" b="1" dirty="0" smtClean="0"/>
-              <a:t>Questions ?</a:t>
-            </a:r>
-            <a:endParaRPr lang="en-IN" b="1" dirty="0"/>
+            <a:r>
+              <a:rPr lang="en-IN" dirty="0" smtClean="0"/>
+              <a:t>Agenda</a:t>
+            </a:r>
+            <a:endParaRPr lang="en-IN" dirty="0"/>
+          </a:p>
+        </p:txBody>
+      </p:sp>
+      <p:sp>
+        <p:nvSpPr>
+          <p:cNvPr id="3" name="Content Placeholder 2"/>
+          <p:cNvSpPr>
+            <a:spLocks noGrp="1"/>
+          </p:cNvSpPr>
+          <p:nvPr>
+            <p:ph idx="1"/>
+          </p:nvPr>
+        </p:nvSpPr>
+        <p:spPr/>
+        <p:txBody>
+          <a:bodyPr/>
+          <a:lstStyle/>
+          <a:p>
+            <a:pPr>
+              <a:buNone/>
+            </a:pPr>
+            <a:r>
+              <a:rPr lang="en-IN" dirty="0" smtClean="0"/>
+              <a:t>Installation of </a:t>
+            </a:r>
+            <a:r>
+              <a:rPr lang="en-IN" dirty="0" err="1" smtClean="0"/>
+              <a:t>BitBucket</a:t>
+            </a:r>
+            <a:endParaRPr lang="en-IN" dirty="0" smtClean="0"/>
+          </a:p>
+          <a:p>
+            <a:pPr>
+              <a:buNone/>
+            </a:pPr>
+            <a:r>
+              <a:rPr lang="en-IN" dirty="0" smtClean="0"/>
+              <a:t>Creating Project</a:t>
+            </a:r>
+          </a:p>
+          <a:p>
+            <a:pPr>
+              <a:buNone/>
+            </a:pPr>
+            <a:r>
+              <a:rPr lang="en-IN" dirty="0" smtClean="0"/>
+              <a:t>Creating Repos</a:t>
+            </a:r>
+          </a:p>
+          <a:p>
+            <a:pPr>
+              <a:buNone/>
+            </a:pPr>
+            <a:r>
+              <a:rPr lang="en-IN" dirty="0" smtClean="0"/>
+              <a:t>Creating Users and Groups</a:t>
+            </a:r>
+          </a:p>
+          <a:p>
+            <a:pPr>
+              <a:buNone/>
+            </a:pPr>
+            <a:r>
+              <a:rPr lang="en-IN" dirty="0" smtClean="0"/>
+              <a:t>Configuring SMTP server</a:t>
+            </a:r>
+          </a:p>
+          <a:p>
+            <a:pPr>
+              <a:buNone/>
+            </a:pPr>
+            <a:r>
+              <a:rPr lang="en-IN" dirty="0" smtClean="0"/>
+              <a:t>Configuring AD/LDAP with </a:t>
+            </a:r>
+            <a:r>
+              <a:rPr lang="en-IN" dirty="0" err="1" smtClean="0"/>
+              <a:t>BitBucket</a:t>
+            </a:r>
+            <a:endParaRPr lang="en-IN" dirty="0"/>
           </a:p>
         </p:txBody>
       </p:sp>
@@ -7552,6 +7315,60 @@
 </file>
 
 <file path=ppt/slides/slide26.xml><?xml version="1.0" encoding="utf-8"?>
+<p:sld xmlns:a="http://schemas.openxmlformats.org/drawingml/2006/main" xmlns:r="http://schemas.openxmlformats.org/officeDocument/2006/relationships" xmlns:p="http://schemas.openxmlformats.org/presentationml/2006/main">
+  <p:cSld>
+    <p:spTree>
+      <p:nvGrpSpPr>
+        <p:cNvPr id="1" name=""/>
+        <p:cNvGrpSpPr/>
+        <p:nvPr/>
+      </p:nvGrpSpPr>
+      <p:grpSpPr>
+        <a:xfrm>
+          <a:off x="0" y="0"/>
+          <a:ext cx="0" cy="0"/>
+          <a:chOff x="0" y="0"/>
+          <a:chExt cx="0" cy="0"/>
+        </a:xfrm>
+      </p:grpSpPr>
+      <p:sp>
+        <p:nvSpPr>
+          <p:cNvPr id="2" name="Title 1"/>
+          <p:cNvSpPr>
+            <a:spLocks noGrp="1"/>
+          </p:cNvSpPr>
+          <p:nvPr>
+            <p:ph type="title"/>
+          </p:nvPr>
+        </p:nvSpPr>
+        <p:spPr>
+          <a:xfrm>
+            <a:off x="539552" y="2564904"/>
+            <a:ext cx="8229600" cy="1143000"/>
+          </a:xfrm>
+        </p:spPr>
+        <p:txBody>
+          <a:bodyPr/>
+          <a:lstStyle/>
+          <a:p>
+            <a:pPr algn="ctr"/>
+            <a:r>
+              <a:rPr lang="en-IN" b="1" dirty="0" smtClean="0"/>
+              <a:t>Questions ?</a:t>
+            </a:r>
+            <a:endParaRPr lang="en-IN" b="1" dirty="0"/>
+          </a:p>
+        </p:txBody>
+      </p:sp>
+    </p:spTree>
+  </p:cSld>
+  <p:clrMapOvr>
+    <a:masterClrMapping/>
+  </p:clrMapOvr>
+</p:sld>
+</file>
+
+<file path=ppt/slides/slide27.xml><?xml version="1.0" encoding="utf-8"?>
 <p:sld xmlns:a="http://schemas.openxmlformats.org/drawingml/2006/main" xmlns:r="http://schemas.openxmlformats.org/officeDocument/2006/relationships" xmlns:p="http://schemas.openxmlformats.org/presentationml/2006/main">
   <p:cSld>
     <p:spTree>
@@ -8435,12 +8252,8 @@
               <a:buNone/>
             </a:pPr>
             <a:r>
-              <a:rPr lang="en-IN" smtClean="0"/>
-              <a:t>Git </a:t>
-            </a:r>
-            <a:r>
               <a:rPr lang="en-IN" dirty="0" smtClean="0"/>
-              <a:t>Architecture</a:t>
+              <a:t>Git Architecture</a:t>
             </a:r>
           </a:p>
           <a:p>
